--- a/gists/week3/Presentation.pptx
+++ b/gists/week3/Presentation.pptx
@@ -3727,7 +3727,7 @@
         </p:nvSpPr>
         <p:spPr>
           <a:xfrm>
-            <a:off x="457200" y="3077787"/>
+            <a:off x="457200" y="2727025"/>
             <a:ext cx="8229600" cy="1143000"/>
           </a:xfrm>
         </p:spPr>
